--- a/001 - Setting up the Pico and Thonny/Using Thonny without Pico.pptx
+++ b/001 - Setting up the Pico and Thonny/Using Thonny without Pico.pptx
@@ -10,6 +10,8 @@
     <p:sldId id="259" r:id="rId4"/>
     <p:sldId id="260" r:id="rId5"/>
     <p:sldId id="261" r:id="rId6"/>
+    <p:sldId id="262" r:id="rId7"/>
+    <p:sldId id="263" r:id="rId8"/>
   </p:sldIdLst>
   <p:sldSz cx="12192000" cy="6858000"/>
   <p:notesSz cx="6858000" cy="9144000"/>
@@ -5415,6 +5417,232 @@
 </p:sld>
 </file>
 
+<file path=ppt/slides/slide6.xml><?xml version="1.0" encoding="utf-8"?>
+<p:sld xmlns:a="http://schemas.openxmlformats.org/drawingml/2006/main" xmlns:r="http://schemas.openxmlformats.org/officeDocument/2006/relationships" xmlns:p="http://schemas.openxmlformats.org/presentationml/2006/main">
+  <p:cSld>
+    <p:spTree>
+      <p:nvGrpSpPr>
+        <p:cNvPr id="1" name=""/>
+        <p:cNvGrpSpPr/>
+        <p:nvPr/>
+      </p:nvGrpSpPr>
+      <p:grpSpPr>
+        <a:xfrm>
+          <a:off x="0" y="0"/>
+          <a:ext cx="0" cy="0"/>
+          <a:chOff x="0" y="0"/>
+          <a:chExt cx="0" cy="0"/>
+        </a:xfrm>
+      </p:grpSpPr>
+      <p:pic>
+        <p:nvPicPr>
+          <p:cNvPr id="3" name="Picture 2">
+            <a:extLst>
+              <a:ext uri="{FF2B5EF4-FFF2-40B4-BE49-F238E27FC236}">
+                <a16:creationId xmlns:a16="http://schemas.microsoft.com/office/drawing/2014/main" id="{C2E3A2D7-607E-BF53-B696-42B97AD8046D}"/>
+              </a:ext>
+            </a:extLst>
+          </p:cNvPr>
+          <p:cNvPicPr>
+            <a:picLocks noChangeAspect="1"/>
+          </p:cNvPicPr>
+          <p:nvPr/>
+        </p:nvPicPr>
+        <p:blipFill>
+          <a:blip r:embed="rId2"/>
+          <a:stretch>
+            <a:fillRect/>
+          </a:stretch>
+        </p:blipFill>
+        <p:spPr>
+          <a:xfrm>
+            <a:off x="4038892" y="1038031"/>
+            <a:ext cx="3629025" cy="3886200"/>
+          </a:xfrm>
+          <a:prstGeom prst="rect">
+            <a:avLst/>
+          </a:prstGeom>
+        </p:spPr>
+      </p:pic>
+      <p:sp>
+        <p:nvSpPr>
+          <p:cNvPr id="4" name="TextBox 3">
+            <a:extLst>
+              <a:ext uri="{FF2B5EF4-FFF2-40B4-BE49-F238E27FC236}">
+                <a16:creationId xmlns:a16="http://schemas.microsoft.com/office/drawing/2014/main" id="{CB996738-220A-E1B7-EE8F-3F57F71987EE}"/>
+              </a:ext>
+            </a:extLst>
+          </p:cNvPr>
+          <p:cNvSpPr txBox="1"/>
+          <p:nvPr/>
+        </p:nvSpPr>
+        <p:spPr>
+          <a:xfrm>
+            <a:off x="3781872" y="5206482"/>
+            <a:ext cx="4718023" cy="369332"/>
+          </a:xfrm>
+          <a:prstGeom prst="rect">
+            <a:avLst/>
+          </a:prstGeom>
+          <a:noFill/>
+        </p:spPr>
+        <p:txBody>
+          <a:bodyPr wrap="none" rtlCol="0">
+            <a:spAutoFit/>
+          </a:bodyPr>
+          <a:lstStyle/>
+          <a:p>
+            <a:r>
+              <a:rPr lang="en-US" dirty="0"/>
+              <a:t>Download Thonny Installation </a:t>
+            </a:r>
+            <a:r>
+              <a:rPr lang="en-US" dirty="0" err="1"/>
+              <a:t>Powerpoint</a:t>
+            </a:r>
+            <a:r>
+              <a:rPr lang="en-US" dirty="0"/>
+              <a:t> Slides</a:t>
+            </a:r>
+            <a:endParaRPr lang="en-SG" dirty="0"/>
+          </a:p>
+        </p:txBody>
+      </p:sp>
+    </p:spTree>
+    <p:extLst>
+      <p:ext uri="{BB962C8B-B14F-4D97-AF65-F5344CB8AC3E}">
+        <p14:creationId xmlns:p14="http://schemas.microsoft.com/office/powerpoint/2010/main" val="1403915078"/>
+      </p:ext>
+    </p:extLst>
+  </p:cSld>
+  <p:clrMapOvr>
+    <a:masterClrMapping/>
+  </p:clrMapOvr>
+</p:sld>
+</file>
+
+<file path=ppt/slides/slide7.xml><?xml version="1.0" encoding="utf-8"?>
+<p:sld xmlns:a="http://schemas.openxmlformats.org/drawingml/2006/main" xmlns:r="http://schemas.openxmlformats.org/officeDocument/2006/relationships" xmlns:p="http://schemas.openxmlformats.org/presentationml/2006/main">
+  <p:cSld>
+    <p:spTree>
+      <p:nvGrpSpPr>
+        <p:cNvPr id="1" name=""/>
+        <p:cNvGrpSpPr/>
+        <p:nvPr/>
+      </p:nvGrpSpPr>
+      <p:grpSpPr>
+        <a:xfrm>
+          <a:off x="0" y="0"/>
+          <a:ext cx="0" cy="0"/>
+          <a:chOff x="0" y="0"/>
+          <a:chExt cx="0" cy="0"/>
+        </a:xfrm>
+      </p:grpSpPr>
+      <p:sp>
+        <p:nvSpPr>
+          <p:cNvPr id="3" name="TextBox 2">
+            <a:extLst>
+              <a:ext uri="{FF2B5EF4-FFF2-40B4-BE49-F238E27FC236}">
+                <a16:creationId xmlns:a16="http://schemas.microsoft.com/office/drawing/2014/main" id="{3BA0CBF0-74CD-F77D-32D7-106AF6D714FD}"/>
+              </a:ext>
+            </a:extLst>
+          </p:cNvPr>
+          <p:cNvSpPr txBox="1"/>
+          <p:nvPr/>
+        </p:nvSpPr>
+        <p:spPr>
+          <a:xfrm>
+            <a:off x="1929104" y="1620808"/>
+            <a:ext cx="6097554" cy="1477328"/>
+          </a:xfrm>
+          <a:prstGeom prst="rect">
+            <a:avLst/>
+          </a:prstGeom>
+          <a:noFill/>
+        </p:spPr>
+        <p:txBody>
+          <a:bodyPr wrap="square">
+            <a:spAutoFit/>
+          </a:bodyPr>
+          <a:lstStyle/>
+          <a:p>
+            <a:r>
+              <a:rPr lang="en-SG" dirty="0">
+                <a:hlinkClick r:id="rId2"/>
+              </a:rPr>
+              <a:t>https://automatetheboringstuff.com/</a:t>
+            </a:r>
+            <a:endParaRPr lang="en-SG" dirty="0"/>
+          </a:p>
+          <a:p>
+            <a:endParaRPr lang="en-SG" dirty="0"/>
+          </a:p>
+          <a:p>
+            <a:r>
+              <a:rPr lang="en-SG" dirty="0">
+                <a:hlinkClick r:id="rId3"/>
+              </a:rPr>
+              <a:t>https://www.w3schools.com/python/</a:t>
+            </a:r>
+            <a:endParaRPr lang="en-SG" dirty="0"/>
+          </a:p>
+          <a:p>
+            <a:endParaRPr lang="en-SG" dirty="0"/>
+          </a:p>
+          <a:p>
+            <a:endParaRPr lang="en-SG" dirty="0"/>
+          </a:p>
+        </p:txBody>
+      </p:sp>
+      <p:sp>
+        <p:nvSpPr>
+          <p:cNvPr id="4" name="TextBox 3">
+            <a:extLst>
+              <a:ext uri="{FF2B5EF4-FFF2-40B4-BE49-F238E27FC236}">
+                <a16:creationId xmlns:a16="http://schemas.microsoft.com/office/drawing/2014/main" id="{D9EB91BA-2633-5CD8-B5AB-6718291792B0}"/>
+              </a:ext>
+            </a:extLst>
+          </p:cNvPr>
+          <p:cNvSpPr txBox="1"/>
+          <p:nvPr/>
+        </p:nvSpPr>
+        <p:spPr>
+          <a:xfrm>
+            <a:off x="1929104" y="1119674"/>
+            <a:ext cx="2260555" cy="369332"/>
+          </a:xfrm>
+          <a:prstGeom prst="rect">
+            <a:avLst/>
+          </a:prstGeom>
+          <a:noFill/>
+        </p:spPr>
+        <p:txBody>
+          <a:bodyPr wrap="none" rtlCol="0">
+            <a:spAutoFit/>
+          </a:bodyPr>
+          <a:lstStyle/>
+          <a:p>
+            <a:r>
+              <a:rPr lang="en-US" b="1" dirty="0"/>
+              <a:t>Python Online Course</a:t>
+            </a:r>
+            <a:endParaRPr lang="en-SG" b="1" dirty="0"/>
+          </a:p>
+        </p:txBody>
+      </p:sp>
+    </p:spTree>
+    <p:extLst>
+      <p:ext uri="{BB962C8B-B14F-4D97-AF65-F5344CB8AC3E}">
+        <p14:creationId xmlns:p14="http://schemas.microsoft.com/office/powerpoint/2010/main" val="1605041507"/>
+      </p:ext>
+    </p:extLst>
+  </p:cSld>
+  <p:clrMapOvr>
+    <a:masterClrMapping/>
+  </p:clrMapOvr>
+</p:sld>
+</file>
+
 <file path=ppt/theme/theme1.xml><?xml version="1.0" encoding="utf-8"?>
 <a:theme xmlns:a="http://schemas.openxmlformats.org/drawingml/2006/main" name="Office Theme">
   <a:themeElements>
